--- a/CSS/Style.pptx
+++ b/CSS/Style.pptx
@@ -4,6 +4,12 @@
   <p:sldMasterIdLst>
     <p:sldMasterId id="2147483660" r:id="rId1"/>
   </p:sldMasterIdLst>
+  <p:notesMasterIdLst>
+    <p:notesMasterId r:id="rId28"/>
+  </p:notesMasterIdLst>
+  <p:handoutMasterIdLst>
+    <p:handoutMasterId r:id="rId29"/>
+  </p:handoutMasterIdLst>
   <p:sldIdLst>
     <p:sldId id="256" r:id="rId2"/>
     <p:sldId id="257" r:id="rId3"/>
@@ -137,6 +143,552 @@
 </p:presentation>
 </file>
 
+<file path=ppt/handoutMasters/handoutMaster1.xml><?xml version="1.0" encoding="utf-8"?>
+<p:handoutMaster xmlns:a="http://schemas.openxmlformats.org/drawingml/2006/main" xmlns:r="http://schemas.openxmlformats.org/officeDocument/2006/relationships" xmlns:p="http://schemas.openxmlformats.org/presentationml/2006/main">
+  <p:cSld>
+    <p:bg>
+      <p:bgRef idx="1001">
+        <a:schemeClr val="bg1"/>
+      </p:bgRef>
+    </p:bg>
+    <p:spTree>
+      <p:nvGrpSpPr>
+        <p:cNvPr id="1" name=""/>
+        <p:cNvGrpSpPr/>
+        <p:nvPr/>
+      </p:nvGrpSpPr>
+      <p:grpSpPr>
+        <a:xfrm>
+          <a:off x="0" y="0"/>
+          <a:ext cx="0" cy="0"/>
+          <a:chOff x="0" y="0"/>
+          <a:chExt cx="0" cy="0"/>
+        </a:xfrm>
+      </p:grpSpPr>
+      <p:sp>
+        <p:nvSpPr>
+          <p:cNvPr id="2" name="Header Placeholder 1">
+            <a:extLst>
+              <a:ext uri="{FF2B5EF4-FFF2-40B4-BE49-F238E27FC236}">
+                <a16:creationId xmlns:a16="http://schemas.microsoft.com/office/drawing/2014/main" id="{BBA74D8E-5EDE-D244-8489-A65ACF5EEB91}"/>
+              </a:ext>
+            </a:extLst>
+          </p:cNvPr>
+          <p:cNvSpPr>
+            <a:spLocks noGrp="1"/>
+          </p:cNvSpPr>
+          <p:nvPr>
+            <p:ph type="hdr" sz="quarter"/>
+          </p:nvPr>
+        </p:nvSpPr>
+        <p:spPr>
+          <a:xfrm>
+            <a:off x="0" y="0"/>
+            <a:ext cx="2971800" cy="458788"/>
+          </a:xfrm>
+          <a:prstGeom prst="rect">
+            <a:avLst/>
+          </a:prstGeom>
+        </p:spPr>
+        <p:txBody>
+          <a:bodyPr vert="horz" lIns="91440" tIns="45720" rIns="91440" bIns="45720" rtlCol="0"/>
+          <a:lstStyle>
+            <a:lvl1pPr algn="l">
+              <a:defRPr sz="1200"/>
+            </a:lvl1pPr>
+          </a:lstStyle>
+          <a:p>
+            <a:endParaRPr lang="en-US"/>
+          </a:p>
+        </p:txBody>
+      </p:sp>
+      <p:sp>
+        <p:nvSpPr>
+          <p:cNvPr id="3" name="Date Placeholder 2">
+            <a:extLst>
+              <a:ext uri="{FF2B5EF4-FFF2-40B4-BE49-F238E27FC236}">
+                <a16:creationId xmlns:a16="http://schemas.microsoft.com/office/drawing/2014/main" id="{80E15665-03FC-6243-A75C-28AD4AF7B87A}"/>
+              </a:ext>
+            </a:extLst>
+          </p:cNvPr>
+          <p:cNvSpPr>
+            <a:spLocks noGrp="1"/>
+          </p:cNvSpPr>
+          <p:nvPr>
+            <p:ph type="dt" sz="quarter" idx="1"/>
+          </p:nvPr>
+        </p:nvSpPr>
+        <p:spPr>
+          <a:xfrm>
+            <a:off x="3884613" y="0"/>
+            <a:ext cx="2971800" cy="458788"/>
+          </a:xfrm>
+          <a:prstGeom prst="rect">
+            <a:avLst/>
+          </a:prstGeom>
+        </p:spPr>
+        <p:txBody>
+          <a:bodyPr vert="horz" lIns="91440" tIns="45720" rIns="91440" bIns="45720" rtlCol="0"/>
+          <a:lstStyle>
+            <a:lvl1pPr algn="r">
+              <a:defRPr sz="1200"/>
+            </a:lvl1pPr>
+          </a:lstStyle>
+          <a:p>
+            <a:fld id="{CF9FD7BA-8CC0-614A-B184-997DBEDE7FDB}" type="datetimeFigureOut">
+              <a:rPr lang="en-US" smtClean="0"/>
+              <a:t>10/28/21</a:t>
+            </a:fld>
+            <a:endParaRPr lang="en-US"/>
+          </a:p>
+        </p:txBody>
+      </p:sp>
+      <p:sp>
+        <p:nvSpPr>
+          <p:cNvPr id="4" name="Footer Placeholder 3">
+            <a:extLst>
+              <a:ext uri="{FF2B5EF4-FFF2-40B4-BE49-F238E27FC236}">
+                <a16:creationId xmlns:a16="http://schemas.microsoft.com/office/drawing/2014/main" id="{4A7C05E4-D550-974A-B7E4-634AE2AFCD56}"/>
+              </a:ext>
+            </a:extLst>
+          </p:cNvPr>
+          <p:cNvSpPr>
+            <a:spLocks noGrp="1"/>
+          </p:cNvSpPr>
+          <p:nvPr>
+            <p:ph type="ftr" sz="quarter" idx="2"/>
+          </p:nvPr>
+        </p:nvSpPr>
+        <p:spPr>
+          <a:xfrm>
+            <a:off x="0" y="8685213"/>
+            <a:ext cx="2971800" cy="458787"/>
+          </a:xfrm>
+          <a:prstGeom prst="rect">
+            <a:avLst/>
+          </a:prstGeom>
+        </p:spPr>
+        <p:txBody>
+          <a:bodyPr vert="horz" lIns="91440" tIns="45720" rIns="91440" bIns="45720" rtlCol="0" anchor="b"/>
+          <a:lstStyle>
+            <a:lvl1pPr algn="l">
+              <a:defRPr sz="1200"/>
+            </a:lvl1pPr>
+          </a:lstStyle>
+          <a:p>
+            <a:r>
+              <a:rPr lang="en-US"/>
+              <a:t>Training: Code-Preach Front End</a:t>
+            </a:r>
+          </a:p>
+        </p:txBody>
+      </p:sp>
+      <p:sp>
+        <p:nvSpPr>
+          <p:cNvPr id="5" name="Slide Number Placeholder 4">
+            <a:extLst>
+              <a:ext uri="{FF2B5EF4-FFF2-40B4-BE49-F238E27FC236}">
+                <a16:creationId xmlns:a16="http://schemas.microsoft.com/office/drawing/2014/main" id="{84F191E6-084D-FC40-921C-2747DF01BCA1}"/>
+              </a:ext>
+            </a:extLst>
+          </p:cNvPr>
+          <p:cNvSpPr>
+            <a:spLocks noGrp="1"/>
+          </p:cNvSpPr>
+          <p:nvPr>
+            <p:ph type="sldNum" sz="quarter" idx="3"/>
+          </p:nvPr>
+        </p:nvSpPr>
+        <p:spPr>
+          <a:xfrm>
+            <a:off x="3884613" y="8685213"/>
+            <a:ext cx="2971800" cy="458787"/>
+          </a:xfrm>
+          <a:prstGeom prst="rect">
+            <a:avLst/>
+          </a:prstGeom>
+        </p:spPr>
+        <p:txBody>
+          <a:bodyPr vert="horz" lIns="91440" tIns="45720" rIns="91440" bIns="45720" rtlCol="0" anchor="b"/>
+          <a:lstStyle>
+            <a:lvl1pPr algn="r">
+              <a:defRPr sz="1200"/>
+            </a:lvl1pPr>
+          </a:lstStyle>
+          <a:p>
+            <a:fld id="{7B488B17-9218-2643-BA23-E3F5166E2940}" type="slidenum">
+              <a:rPr lang="en-US" smtClean="0"/>
+              <a:t>‹#›</a:t>
+            </a:fld>
+            <a:endParaRPr lang="en-US"/>
+          </a:p>
+        </p:txBody>
+      </p:sp>
+    </p:spTree>
+    <p:extLst>
+      <p:ext uri="{BB962C8B-B14F-4D97-AF65-F5344CB8AC3E}">
+        <p14:creationId xmlns:p14="http://schemas.microsoft.com/office/powerpoint/2010/main" val="1079489942"/>
+      </p:ext>
+    </p:extLst>
+  </p:cSld>
+  <p:clrMap bg1="lt1" tx1="dk1" bg2="lt2" tx2="dk2" accent1="accent1" accent2="accent2" accent3="accent3" accent4="accent4" accent5="accent5" accent6="accent6" hlink="hlink" folHlink="folHlink"/>
+  <p:hf sldNum="0" hdr="0" dt="0"/>
+</p:handoutMaster>
+</file>
+
+<file path=ppt/notesMasters/notesMaster1.xml><?xml version="1.0" encoding="utf-8"?>
+<p:notesMaster xmlns:a="http://schemas.openxmlformats.org/drawingml/2006/main" xmlns:r="http://schemas.openxmlformats.org/officeDocument/2006/relationships" xmlns:p="http://schemas.openxmlformats.org/presentationml/2006/main">
+  <p:cSld>
+    <p:bg>
+      <p:bgRef idx="1001">
+        <a:schemeClr val="bg1"/>
+      </p:bgRef>
+    </p:bg>
+    <p:spTree>
+      <p:nvGrpSpPr>
+        <p:cNvPr id="1" name=""/>
+        <p:cNvGrpSpPr/>
+        <p:nvPr/>
+      </p:nvGrpSpPr>
+      <p:grpSpPr>
+        <a:xfrm>
+          <a:off x="0" y="0"/>
+          <a:ext cx="0" cy="0"/>
+          <a:chOff x="0" y="0"/>
+          <a:chExt cx="0" cy="0"/>
+        </a:xfrm>
+      </p:grpSpPr>
+      <p:sp>
+        <p:nvSpPr>
+          <p:cNvPr id="2" name="Header Placeholder 1"/>
+          <p:cNvSpPr>
+            <a:spLocks noGrp="1"/>
+          </p:cNvSpPr>
+          <p:nvPr>
+            <p:ph type="hdr" sz="quarter"/>
+          </p:nvPr>
+        </p:nvSpPr>
+        <p:spPr>
+          <a:xfrm>
+            <a:off x="0" y="0"/>
+            <a:ext cx="2971800" cy="458788"/>
+          </a:xfrm>
+          <a:prstGeom prst="rect">
+            <a:avLst/>
+          </a:prstGeom>
+        </p:spPr>
+        <p:txBody>
+          <a:bodyPr vert="horz" lIns="91440" tIns="45720" rIns="91440" bIns="45720" rtlCol="0"/>
+          <a:lstStyle>
+            <a:lvl1pPr algn="l">
+              <a:defRPr sz="1200"/>
+            </a:lvl1pPr>
+          </a:lstStyle>
+          <a:p>
+            <a:endParaRPr lang="en-US"/>
+          </a:p>
+        </p:txBody>
+      </p:sp>
+      <p:sp>
+        <p:nvSpPr>
+          <p:cNvPr id="3" name="Date Placeholder 2"/>
+          <p:cNvSpPr>
+            <a:spLocks noGrp="1"/>
+          </p:cNvSpPr>
+          <p:nvPr>
+            <p:ph type="dt" idx="1"/>
+          </p:nvPr>
+        </p:nvSpPr>
+        <p:spPr>
+          <a:xfrm>
+            <a:off x="3884613" y="0"/>
+            <a:ext cx="2971800" cy="458788"/>
+          </a:xfrm>
+          <a:prstGeom prst="rect">
+            <a:avLst/>
+          </a:prstGeom>
+        </p:spPr>
+        <p:txBody>
+          <a:bodyPr vert="horz" lIns="91440" tIns="45720" rIns="91440" bIns="45720" rtlCol="0"/>
+          <a:lstStyle>
+            <a:lvl1pPr algn="r">
+              <a:defRPr sz="1200"/>
+            </a:lvl1pPr>
+          </a:lstStyle>
+          <a:p>
+            <a:fld id="{81036708-5D74-4943-8063-58E0F4D1DB3C}" type="datetimeFigureOut">
+              <a:rPr lang="en-US" smtClean="0"/>
+              <a:t>10/28/21</a:t>
+            </a:fld>
+            <a:endParaRPr lang="en-US"/>
+          </a:p>
+        </p:txBody>
+      </p:sp>
+      <p:sp>
+        <p:nvSpPr>
+          <p:cNvPr id="4" name="Slide Image Placeholder 3"/>
+          <p:cNvSpPr>
+            <a:spLocks noGrp="1" noRot="1" noChangeAspect="1"/>
+          </p:cNvSpPr>
+          <p:nvPr>
+            <p:ph type="sldImg" idx="2"/>
+          </p:nvPr>
+        </p:nvSpPr>
+        <p:spPr>
+          <a:xfrm>
+            <a:off x="685800" y="1143000"/>
+            <a:ext cx="5486400" cy="3086100"/>
+          </a:xfrm>
+          <a:prstGeom prst="rect">
+            <a:avLst/>
+          </a:prstGeom>
+          <a:noFill/>
+          <a:ln w="12700">
+            <a:solidFill>
+              <a:prstClr val="black"/>
+            </a:solidFill>
+          </a:ln>
+        </p:spPr>
+        <p:txBody>
+          <a:bodyPr vert="horz" lIns="91440" tIns="45720" rIns="91440" bIns="45720" rtlCol="0" anchor="ctr"/>
+          <a:lstStyle/>
+          <a:p>
+            <a:endParaRPr lang="en-US"/>
+          </a:p>
+        </p:txBody>
+      </p:sp>
+      <p:sp>
+        <p:nvSpPr>
+          <p:cNvPr id="5" name="Notes Placeholder 4"/>
+          <p:cNvSpPr>
+            <a:spLocks noGrp="1"/>
+          </p:cNvSpPr>
+          <p:nvPr>
+            <p:ph type="body" sz="quarter" idx="3"/>
+          </p:nvPr>
+        </p:nvSpPr>
+        <p:spPr>
+          <a:xfrm>
+            <a:off x="685800" y="4400550"/>
+            <a:ext cx="5486400" cy="3600450"/>
+          </a:xfrm>
+          <a:prstGeom prst="rect">
+            <a:avLst/>
+          </a:prstGeom>
+        </p:spPr>
+        <p:txBody>
+          <a:bodyPr vert="horz" lIns="91440" tIns="45720" rIns="91440" bIns="45720" rtlCol="0"/>
+          <a:lstStyle/>
+          <a:p>
+            <a:pPr lvl="0"/>
+            <a:r>
+              <a:rPr lang="en-US"/>
+              <a:t>Click to edit Master text styles</a:t>
+            </a:r>
+          </a:p>
+          <a:p>
+            <a:pPr lvl="1"/>
+            <a:r>
+              <a:rPr lang="en-US"/>
+              <a:t>Second level</a:t>
+            </a:r>
+          </a:p>
+          <a:p>
+            <a:pPr lvl="2"/>
+            <a:r>
+              <a:rPr lang="en-US"/>
+              <a:t>Third level</a:t>
+            </a:r>
+          </a:p>
+          <a:p>
+            <a:pPr lvl="3"/>
+            <a:r>
+              <a:rPr lang="en-US"/>
+              <a:t>Fourth level</a:t>
+            </a:r>
+          </a:p>
+          <a:p>
+            <a:pPr lvl="4"/>
+            <a:r>
+              <a:rPr lang="en-US"/>
+              <a:t>Fifth level</a:t>
+            </a:r>
+          </a:p>
+        </p:txBody>
+      </p:sp>
+      <p:sp>
+        <p:nvSpPr>
+          <p:cNvPr id="6" name="Footer Placeholder 5"/>
+          <p:cNvSpPr>
+            <a:spLocks noGrp="1"/>
+          </p:cNvSpPr>
+          <p:nvPr>
+            <p:ph type="ftr" sz="quarter" idx="4"/>
+          </p:nvPr>
+        </p:nvSpPr>
+        <p:spPr>
+          <a:xfrm>
+            <a:off x="0" y="8685213"/>
+            <a:ext cx="2971800" cy="458787"/>
+          </a:xfrm>
+          <a:prstGeom prst="rect">
+            <a:avLst/>
+          </a:prstGeom>
+        </p:spPr>
+        <p:txBody>
+          <a:bodyPr vert="horz" lIns="91440" tIns="45720" rIns="91440" bIns="45720" rtlCol="0" anchor="b"/>
+          <a:lstStyle>
+            <a:lvl1pPr algn="l">
+              <a:defRPr sz="1200"/>
+            </a:lvl1pPr>
+          </a:lstStyle>
+          <a:p>
+            <a:r>
+              <a:rPr lang="en-US"/>
+              <a:t>Training: Code-Preach Front End</a:t>
+            </a:r>
+          </a:p>
+        </p:txBody>
+      </p:sp>
+      <p:sp>
+        <p:nvSpPr>
+          <p:cNvPr id="7" name="Slide Number Placeholder 6"/>
+          <p:cNvSpPr>
+            <a:spLocks noGrp="1"/>
+          </p:cNvSpPr>
+          <p:nvPr>
+            <p:ph type="sldNum" sz="quarter" idx="5"/>
+          </p:nvPr>
+        </p:nvSpPr>
+        <p:spPr>
+          <a:xfrm>
+            <a:off x="3884613" y="8685213"/>
+            <a:ext cx="2971800" cy="458787"/>
+          </a:xfrm>
+          <a:prstGeom prst="rect">
+            <a:avLst/>
+          </a:prstGeom>
+        </p:spPr>
+        <p:txBody>
+          <a:bodyPr vert="horz" lIns="91440" tIns="45720" rIns="91440" bIns="45720" rtlCol="0" anchor="b"/>
+          <a:lstStyle>
+            <a:lvl1pPr algn="r">
+              <a:defRPr sz="1200"/>
+            </a:lvl1pPr>
+          </a:lstStyle>
+          <a:p>
+            <a:fld id="{14035EF9-03FC-5143-9287-FBBDB526E6BC}" type="slidenum">
+              <a:rPr lang="en-US" smtClean="0"/>
+              <a:t>‹#›</a:t>
+            </a:fld>
+            <a:endParaRPr lang="en-US"/>
+          </a:p>
+        </p:txBody>
+      </p:sp>
+    </p:spTree>
+    <p:extLst>
+      <p:ext uri="{BB962C8B-B14F-4D97-AF65-F5344CB8AC3E}">
+        <p14:creationId xmlns:p14="http://schemas.microsoft.com/office/powerpoint/2010/main" val="3711409967"/>
+      </p:ext>
+    </p:extLst>
+  </p:cSld>
+  <p:clrMap bg1="lt1" tx1="dk1" bg2="lt2" tx2="dk2" accent1="accent1" accent2="accent2" accent3="accent3" accent4="accent4" accent5="accent5" accent6="accent6" hlink="hlink" folHlink="folHlink"/>
+  <p:hf sldNum="0" hdr="0" dt="0"/>
+  <p:notesStyle>
+    <a:lvl1pPr marL="0" algn="l" defTabSz="914400" rtl="0" eaLnBrk="1" latinLnBrk="0" hangingPunct="1">
+      <a:defRPr sz="1200" kern="1200">
+        <a:solidFill>
+          <a:schemeClr val="tx1"/>
+        </a:solidFill>
+        <a:latin typeface="+mn-lt"/>
+        <a:ea typeface="+mn-ea"/>
+        <a:cs typeface="+mn-cs"/>
+      </a:defRPr>
+    </a:lvl1pPr>
+    <a:lvl2pPr marL="457200" algn="l" defTabSz="914400" rtl="0" eaLnBrk="1" latinLnBrk="0" hangingPunct="1">
+      <a:defRPr sz="1200" kern="1200">
+        <a:solidFill>
+          <a:schemeClr val="tx1"/>
+        </a:solidFill>
+        <a:latin typeface="+mn-lt"/>
+        <a:ea typeface="+mn-ea"/>
+        <a:cs typeface="+mn-cs"/>
+      </a:defRPr>
+    </a:lvl2pPr>
+    <a:lvl3pPr marL="914400" algn="l" defTabSz="914400" rtl="0" eaLnBrk="1" latinLnBrk="0" hangingPunct="1">
+      <a:defRPr sz="1200" kern="1200">
+        <a:solidFill>
+          <a:schemeClr val="tx1"/>
+        </a:solidFill>
+        <a:latin typeface="+mn-lt"/>
+        <a:ea typeface="+mn-ea"/>
+        <a:cs typeface="+mn-cs"/>
+      </a:defRPr>
+    </a:lvl3pPr>
+    <a:lvl4pPr marL="1371600" algn="l" defTabSz="914400" rtl="0" eaLnBrk="1" latinLnBrk="0" hangingPunct="1">
+      <a:defRPr sz="1200" kern="1200">
+        <a:solidFill>
+          <a:schemeClr val="tx1"/>
+        </a:solidFill>
+        <a:latin typeface="+mn-lt"/>
+        <a:ea typeface="+mn-ea"/>
+        <a:cs typeface="+mn-cs"/>
+      </a:defRPr>
+    </a:lvl4pPr>
+    <a:lvl5pPr marL="1828800" algn="l" defTabSz="914400" rtl="0" eaLnBrk="1" latinLnBrk="0" hangingPunct="1">
+      <a:defRPr sz="1200" kern="1200">
+        <a:solidFill>
+          <a:schemeClr val="tx1"/>
+        </a:solidFill>
+        <a:latin typeface="+mn-lt"/>
+        <a:ea typeface="+mn-ea"/>
+        <a:cs typeface="+mn-cs"/>
+      </a:defRPr>
+    </a:lvl5pPr>
+    <a:lvl6pPr marL="2286000" algn="l" defTabSz="914400" rtl="0" eaLnBrk="1" latinLnBrk="0" hangingPunct="1">
+      <a:defRPr sz="1200" kern="1200">
+        <a:solidFill>
+          <a:schemeClr val="tx1"/>
+        </a:solidFill>
+        <a:latin typeface="+mn-lt"/>
+        <a:ea typeface="+mn-ea"/>
+        <a:cs typeface="+mn-cs"/>
+      </a:defRPr>
+    </a:lvl6pPr>
+    <a:lvl7pPr marL="2743200" algn="l" defTabSz="914400" rtl="0" eaLnBrk="1" latinLnBrk="0" hangingPunct="1">
+      <a:defRPr sz="1200" kern="1200">
+        <a:solidFill>
+          <a:schemeClr val="tx1"/>
+        </a:solidFill>
+        <a:latin typeface="+mn-lt"/>
+        <a:ea typeface="+mn-ea"/>
+        <a:cs typeface="+mn-cs"/>
+      </a:defRPr>
+    </a:lvl7pPr>
+    <a:lvl8pPr marL="3200400" algn="l" defTabSz="914400" rtl="0" eaLnBrk="1" latinLnBrk="0" hangingPunct="1">
+      <a:defRPr sz="1200" kern="1200">
+        <a:solidFill>
+          <a:schemeClr val="tx1"/>
+        </a:solidFill>
+        <a:latin typeface="+mn-lt"/>
+        <a:ea typeface="+mn-ea"/>
+        <a:cs typeface="+mn-cs"/>
+      </a:defRPr>
+    </a:lvl8pPr>
+    <a:lvl9pPr marL="3657600" algn="l" defTabSz="914400" rtl="0" eaLnBrk="1" latinLnBrk="0" hangingPunct="1">
+      <a:defRPr sz="1200" kern="1200">
+        <a:solidFill>
+          <a:schemeClr val="tx1"/>
+        </a:solidFill>
+        <a:latin typeface="+mn-lt"/>
+        <a:ea typeface="+mn-ea"/>
+        <a:cs typeface="+mn-cs"/>
+      </a:defRPr>
+    </a:lvl9pPr>
+  </p:notesStyle>
+</p:notesMaster>
+</file>
+
 <file path=ppt/slideLayouts/slideLayout1.xml><?xml version="1.0" encoding="utf-8"?>
 <p:sldLayout xmlns:a="http://schemas.openxmlformats.org/drawingml/2006/main" xmlns:r="http://schemas.openxmlformats.org/officeDocument/2006/relationships" xmlns:p="http://schemas.openxmlformats.org/presentationml/2006/main" type="title" preserve="1">
   <p:cSld name="Diapositive de titre">
@@ -321,9 +873,9 @@
           <a:bodyPr/>
           <a:lstStyle/>
           <a:p>
-            <a:fld id="{2C917008-A97E-41F9-8E8E-F4E477601911}" type="datetimeFigureOut">
-              <a:rPr lang="fr-CA" smtClean="0"/>
-              <a:t>2020-01-15</a:t>
+            <a:fld id="{DC164F55-02E4-654B-968C-CCC8A05F2561}" type="datetime1">
+              <a:rPr lang="en-CA" smtClean="0"/>
+              <a:t>2021-10-28</a:t>
             </a:fld>
             <a:endParaRPr lang="fr-CA"/>
           </a:p>
@@ -365,7 +917,7 @@
           <a:p>
             <a:fld id="{44D65C54-787C-49BE-BF14-A8B9B9D4641D}" type="slidenum">
               <a:rPr lang="fr-CA" smtClean="0"/>
-              <a:t>‹N°›</a:t>
+              <a:t>‹#›</a:t>
             </a:fld>
             <a:endParaRPr lang="fr-CA"/>
           </a:p>
@@ -596,9 +1148,9 @@
           <a:bodyPr/>
           <a:lstStyle/>
           <a:p>
-            <a:fld id="{2C917008-A97E-41F9-8E8E-F4E477601911}" type="datetimeFigureOut">
-              <a:rPr lang="fr-CA" smtClean="0"/>
-              <a:t>2020-01-15</a:t>
+            <a:fld id="{03C14822-A8A4-DD4F-A4A1-1AD7CD332883}" type="datetime1">
+              <a:rPr lang="en-CA" smtClean="0"/>
+              <a:t>2021-10-28</a:t>
             </a:fld>
             <a:endParaRPr lang="fr-CA"/>
           </a:p>
@@ -640,7 +1192,7 @@
           <a:p>
             <a:fld id="{44D65C54-787C-49BE-BF14-A8B9B9D4641D}" type="slidenum">
               <a:rPr lang="fr-CA" smtClean="0"/>
-              <a:t>‹N°›</a:t>
+              <a:t>‹#›</a:t>
             </a:fld>
             <a:endParaRPr lang="fr-CA"/>
           </a:p>
@@ -790,9 +1342,9 @@
           <a:bodyPr/>
           <a:lstStyle/>
           <a:p>
-            <a:fld id="{2C917008-A97E-41F9-8E8E-F4E477601911}" type="datetimeFigureOut">
-              <a:rPr lang="fr-CA" smtClean="0"/>
-              <a:t>2020-01-15</a:t>
+            <a:fld id="{DE177EC9-4C6F-5740-AA5F-4B2E19ACAC48}" type="datetime1">
+              <a:rPr lang="en-CA" smtClean="0"/>
+              <a:t>2021-10-28</a:t>
             </a:fld>
             <a:endParaRPr lang="fr-CA"/>
           </a:p>
@@ -834,7 +1386,7 @@
           <a:p>
             <a:fld id="{44D65C54-787C-49BE-BF14-A8B9B9D4641D}" type="slidenum">
               <a:rPr lang="fr-CA" smtClean="0"/>
-              <a:t>‹N°›</a:t>
+              <a:t>‹#›</a:t>
             </a:fld>
             <a:endParaRPr lang="fr-CA"/>
           </a:p>
@@ -1063,9 +1615,9 @@
           <a:bodyPr/>
           <a:lstStyle/>
           <a:p>
-            <a:fld id="{2C917008-A97E-41F9-8E8E-F4E477601911}" type="datetimeFigureOut">
-              <a:rPr lang="fr-CA" smtClean="0"/>
-              <a:t>2020-01-15</a:t>
+            <a:fld id="{6F541971-FDD9-2E4A-8D22-7FCD33CDA5C2}" type="datetime1">
+              <a:rPr lang="en-CA" smtClean="0"/>
+              <a:t>2021-10-28</a:t>
             </a:fld>
             <a:endParaRPr lang="fr-CA"/>
           </a:p>
@@ -1107,7 +1659,7 @@
           <a:p>
             <a:fld id="{44D65C54-787C-49BE-BF14-A8B9B9D4641D}" type="slidenum">
               <a:rPr lang="fr-CA" smtClean="0"/>
-              <a:t>‹N°›</a:t>
+              <a:t>‹#›</a:t>
             </a:fld>
             <a:endParaRPr lang="fr-CA"/>
           </a:p>
@@ -1404,9 +1956,9 @@
           <a:bodyPr/>
           <a:lstStyle/>
           <a:p>
-            <a:fld id="{2C917008-A97E-41F9-8E8E-F4E477601911}" type="datetimeFigureOut">
-              <a:rPr lang="fr-CA" smtClean="0"/>
-              <a:t>2020-01-15</a:t>
+            <a:fld id="{674ED378-02D7-B545-8DD9-8128998C33F5}" type="datetime1">
+              <a:rPr lang="en-CA" smtClean="0"/>
+              <a:t>2021-10-28</a:t>
             </a:fld>
             <a:endParaRPr lang="fr-CA"/>
           </a:p>
@@ -1448,7 +2000,7 @@
           <a:p>
             <a:fld id="{44D65C54-787C-49BE-BF14-A8B9B9D4641D}" type="slidenum">
               <a:rPr lang="fr-CA" smtClean="0"/>
-              <a:t>‹N°›</a:t>
+              <a:t>‹#›</a:t>
             </a:fld>
             <a:endParaRPr lang="fr-CA"/>
           </a:p>
@@ -2027,9 +2579,9 @@
           <a:bodyPr/>
           <a:lstStyle/>
           <a:p>
-            <a:fld id="{2C917008-A97E-41F9-8E8E-F4E477601911}" type="datetimeFigureOut">
-              <a:rPr lang="fr-CA" smtClean="0"/>
-              <a:t>2020-01-15</a:t>
+            <a:fld id="{0EFFF435-2006-AC49-BF56-1425DA36A9D2}" type="datetime1">
+              <a:rPr lang="en-CA" smtClean="0"/>
+              <a:t>2021-10-28</a:t>
             </a:fld>
             <a:endParaRPr lang="fr-CA"/>
           </a:p>
@@ -2071,7 +2623,7 @@
           <a:p>
             <a:fld id="{44D65C54-787C-49BE-BF14-A8B9B9D4641D}" type="slidenum">
               <a:rPr lang="fr-CA" smtClean="0"/>
-              <a:t>‹N°›</a:t>
+              <a:t>‹#›</a:t>
             </a:fld>
             <a:endParaRPr lang="fr-CA"/>
           </a:p>
@@ -2887,9 +3439,9 @@
           <a:bodyPr/>
           <a:lstStyle/>
           <a:p>
-            <a:fld id="{2C917008-A97E-41F9-8E8E-F4E477601911}" type="datetimeFigureOut">
-              <a:rPr lang="fr-CA" smtClean="0"/>
-              <a:t>2020-01-15</a:t>
+            <a:fld id="{6F95C007-065D-404B-9F39-C0978DB22A52}" type="datetime1">
+              <a:rPr lang="en-CA" smtClean="0"/>
+              <a:t>2021-10-28</a:t>
             </a:fld>
             <a:endParaRPr lang="fr-CA"/>
           </a:p>
@@ -2931,7 +3483,7 @@
           <a:p>
             <a:fld id="{44D65C54-787C-49BE-BF14-A8B9B9D4641D}" type="slidenum">
               <a:rPr lang="fr-CA" smtClean="0"/>
-              <a:t>‹N°›</a:t>
+              <a:t>‹#›</a:t>
             </a:fld>
             <a:endParaRPr lang="fr-CA"/>
           </a:p>
@@ -3057,9 +3609,9 @@
           <a:bodyPr/>
           <a:lstStyle/>
           <a:p>
-            <a:fld id="{2C917008-A97E-41F9-8E8E-F4E477601911}" type="datetimeFigureOut">
-              <a:rPr lang="fr-CA" smtClean="0"/>
-              <a:t>2020-01-15</a:t>
+            <a:fld id="{962F7FEF-EE8D-9545-A078-2845EA915619}" type="datetime1">
+              <a:rPr lang="en-CA" smtClean="0"/>
+              <a:t>2021-10-28</a:t>
             </a:fld>
             <a:endParaRPr lang="fr-CA"/>
           </a:p>
@@ -3101,7 +3653,7 @@
           <a:p>
             <a:fld id="{44D65C54-787C-49BE-BF14-A8B9B9D4641D}" type="slidenum">
               <a:rPr lang="fr-CA" smtClean="0"/>
-              <a:t>‹N°›</a:t>
+              <a:t>‹#›</a:t>
             </a:fld>
             <a:endParaRPr lang="fr-CA"/>
           </a:p>
@@ -3237,9 +3789,9 @@
           <a:bodyPr/>
           <a:lstStyle/>
           <a:p>
-            <a:fld id="{2C917008-A97E-41F9-8E8E-F4E477601911}" type="datetimeFigureOut">
-              <a:rPr lang="fr-CA" smtClean="0"/>
-              <a:t>2020-01-15</a:t>
+            <a:fld id="{B8C509E6-ABB4-D345-9807-B5CBC1F6EF52}" type="datetime1">
+              <a:rPr lang="en-CA" smtClean="0"/>
+              <a:t>2021-10-28</a:t>
             </a:fld>
             <a:endParaRPr lang="fr-CA"/>
           </a:p>
@@ -3281,7 +3833,7 @@
           <a:p>
             <a:fld id="{44D65C54-787C-49BE-BF14-A8B9B9D4641D}" type="slidenum">
               <a:rPr lang="fr-CA" smtClean="0"/>
-              <a:t>‹N°›</a:t>
+              <a:t>‹#›</a:t>
             </a:fld>
             <a:endParaRPr lang="fr-CA"/>
           </a:p>
@@ -3407,9 +3959,9 @@
           <a:bodyPr/>
           <a:lstStyle/>
           <a:p>
-            <a:fld id="{2C917008-A97E-41F9-8E8E-F4E477601911}" type="datetimeFigureOut">
-              <a:rPr lang="fr-CA" smtClean="0"/>
-              <a:t>2020-01-15</a:t>
+            <a:fld id="{853E97B4-2FFB-E547-BD94-A8E97979FA73}" type="datetime1">
+              <a:rPr lang="en-CA" smtClean="0"/>
+              <a:t>2021-10-28</a:t>
             </a:fld>
             <a:endParaRPr lang="fr-CA"/>
           </a:p>
@@ -3451,7 +4003,7 @@
           <a:p>
             <a:fld id="{44D65C54-787C-49BE-BF14-A8B9B9D4641D}" type="slidenum">
               <a:rPr lang="fr-CA" smtClean="0"/>
-              <a:t>‹N°›</a:t>
+              <a:t>‹#›</a:t>
             </a:fld>
             <a:endParaRPr lang="fr-CA"/>
           </a:p>
@@ -3654,9 +4206,9 @@
           <a:bodyPr/>
           <a:lstStyle/>
           <a:p>
-            <a:fld id="{2C917008-A97E-41F9-8E8E-F4E477601911}" type="datetimeFigureOut">
-              <a:rPr lang="fr-CA" smtClean="0"/>
-              <a:t>2020-01-15</a:t>
+            <a:fld id="{3629C09F-11D5-7C48-8C0C-75D54E424CFB}" type="datetime1">
+              <a:rPr lang="en-CA" smtClean="0"/>
+              <a:t>2021-10-28</a:t>
             </a:fld>
             <a:endParaRPr lang="fr-CA"/>
           </a:p>
@@ -3698,7 +4250,7 @@
           <a:p>
             <a:fld id="{44D65C54-787C-49BE-BF14-A8B9B9D4641D}" type="slidenum">
               <a:rPr lang="fr-CA" smtClean="0"/>
-              <a:t>‹N°›</a:t>
+              <a:t>‹#›</a:t>
             </a:fld>
             <a:endParaRPr lang="fr-CA"/>
           </a:p>
@@ -3946,9 +4498,9 @@
           <a:bodyPr/>
           <a:lstStyle/>
           <a:p>
-            <a:fld id="{2C917008-A97E-41F9-8E8E-F4E477601911}" type="datetimeFigureOut">
-              <a:rPr lang="fr-CA" smtClean="0"/>
-              <a:t>2020-01-15</a:t>
+            <a:fld id="{369F9C9D-31C7-9D4F-BB6C-9AE0D107259B}" type="datetime1">
+              <a:rPr lang="en-CA" smtClean="0"/>
+              <a:t>2021-10-28</a:t>
             </a:fld>
             <a:endParaRPr lang="fr-CA"/>
           </a:p>
@@ -3990,7 +4542,7 @@
           <a:p>
             <a:fld id="{44D65C54-787C-49BE-BF14-A8B9B9D4641D}" type="slidenum">
               <a:rPr lang="fr-CA" smtClean="0"/>
-              <a:t>‹N°›</a:t>
+              <a:t>‹#›</a:t>
             </a:fld>
             <a:endParaRPr lang="fr-CA"/>
           </a:p>
@@ -4390,9 +4942,9 @@
           <a:bodyPr/>
           <a:lstStyle/>
           <a:p>
-            <a:fld id="{2C917008-A97E-41F9-8E8E-F4E477601911}" type="datetimeFigureOut">
-              <a:rPr lang="fr-CA" smtClean="0"/>
-              <a:t>2020-01-15</a:t>
+            <a:fld id="{37B08CB9-17F3-B64B-ADD9-87D540FC1822}" type="datetime1">
+              <a:rPr lang="en-CA" smtClean="0"/>
+              <a:t>2021-10-28</a:t>
             </a:fld>
             <a:endParaRPr lang="fr-CA"/>
           </a:p>
@@ -4434,7 +4986,7 @@
           <a:p>
             <a:fld id="{44D65C54-787C-49BE-BF14-A8B9B9D4641D}" type="slidenum">
               <a:rPr lang="fr-CA" smtClean="0"/>
-              <a:t>‹N°›</a:t>
+              <a:t>‹#›</a:t>
             </a:fld>
             <a:endParaRPr lang="fr-CA"/>
           </a:p>
@@ -4508,9 +5060,9 @@
           <a:bodyPr/>
           <a:lstStyle/>
           <a:p>
-            <a:fld id="{2C917008-A97E-41F9-8E8E-F4E477601911}" type="datetimeFigureOut">
-              <a:rPr lang="fr-CA" smtClean="0"/>
-              <a:t>2020-01-15</a:t>
+            <a:fld id="{CC482EE2-037E-0948-9388-70F46CE2C51A}" type="datetime1">
+              <a:rPr lang="en-CA" smtClean="0"/>
+              <a:t>2021-10-28</a:t>
             </a:fld>
             <a:endParaRPr lang="fr-CA"/>
           </a:p>
@@ -4552,7 +5104,7 @@
           <a:p>
             <a:fld id="{44D65C54-787C-49BE-BF14-A8B9B9D4641D}" type="slidenum">
               <a:rPr lang="fr-CA" smtClean="0"/>
-              <a:t>‹N°›</a:t>
+              <a:t>‹#›</a:t>
             </a:fld>
             <a:endParaRPr lang="fr-CA"/>
           </a:p>
@@ -4603,9 +5155,9 @@
           <a:bodyPr/>
           <a:lstStyle/>
           <a:p>
-            <a:fld id="{2C917008-A97E-41F9-8E8E-F4E477601911}" type="datetimeFigureOut">
-              <a:rPr lang="fr-CA" smtClean="0"/>
-              <a:t>2020-01-15</a:t>
+            <a:fld id="{AA292C0F-D4C1-7444-8E0D-86F8B0612353}" type="datetime1">
+              <a:rPr lang="en-CA" smtClean="0"/>
+              <a:t>2021-10-28</a:t>
             </a:fld>
             <a:endParaRPr lang="fr-CA"/>
           </a:p>
@@ -4647,7 +5199,7 @@
           <a:p>
             <a:fld id="{44D65C54-787C-49BE-BF14-A8B9B9D4641D}" type="slidenum">
               <a:rPr lang="fr-CA" smtClean="0"/>
-              <a:t>‹N°›</a:t>
+              <a:t>‹#›</a:t>
             </a:fld>
             <a:endParaRPr lang="fr-CA"/>
           </a:p>
@@ -4882,9 +5434,9 @@
           <a:bodyPr/>
           <a:lstStyle/>
           <a:p>
-            <a:fld id="{2C917008-A97E-41F9-8E8E-F4E477601911}" type="datetimeFigureOut">
-              <a:rPr lang="fr-CA" smtClean="0"/>
-              <a:t>2020-01-15</a:t>
+            <a:fld id="{1889EA27-4B80-7749-BE1E-A10AD0BC4A2B}" type="datetime1">
+              <a:rPr lang="en-CA" smtClean="0"/>
+              <a:t>2021-10-28</a:t>
             </a:fld>
             <a:endParaRPr lang="fr-CA"/>
           </a:p>
@@ -4926,7 +5478,7 @@
           <a:p>
             <a:fld id="{44D65C54-787C-49BE-BF14-A8B9B9D4641D}" type="slidenum">
               <a:rPr lang="fr-CA" smtClean="0"/>
-              <a:t>‹N°›</a:t>
+              <a:t>‹#›</a:t>
             </a:fld>
             <a:endParaRPr lang="fr-CA"/>
           </a:p>
@@ -5157,9 +5709,9 @@
           <a:bodyPr/>
           <a:lstStyle/>
           <a:p>
-            <a:fld id="{2C917008-A97E-41F9-8E8E-F4E477601911}" type="datetimeFigureOut">
-              <a:rPr lang="fr-CA" smtClean="0"/>
-              <a:t>2020-01-15</a:t>
+            <a:fld id="{B8B4B7D8-C754-904B-B4A0-384E6FF80CAE}" type="datetime1">
+              <a:rPr lang="en-CA" smtClean="0"/>
+              <a:t>2021-10-28</a:t>
             </a:fld>
             <a:endParaRPr lang="fr-CA"/>
           </a:p>
@@ -5201,7 +5753,7 @@
           <a:p>
             <a:fld id="{44D65C54-787C-49BE-BF14-A8B9B9D4641D}" type="slidenum">
               <a:rPr lang="fr-CA" smtClean="0"/>
-              <a:t>‹N°›</a:t>
+              <a:t>‹#›</a:t>
             </a:fld>
             <a:endParaRPr lang="fr-CA"/>
           </a:p>
@@ -5586,9 +6138,9 @@
             </a:lvl1pPr>
           </a:lstStyle>
           <a:p>
-            <a:fld id="{2C917008-A97E-41F9-8E8E-F4E477601911}" type="datetimeFigureOut">
-              <a:rPr lang="fr-CA" smtClean="0"/>
-              <a:t>2020-01-15</a:t>
+            <a:fld id="{8C33CF26-F762-BB48-8FBB-4B1FC895CD05}" type="datetime1">
+              <a:rPr lang="en-CA" smtClean="0"/>
+              <a:t>2021-10-28</a:t>
             </a:fld>
             <a:endParaRPr lang="fr-CA"/>
           </a:p>
@@ -5667,7 +6219,7 @@
           <a:p>
             <a:fld id="{44D65C54-787C-49BE-BF14-A8B9B9D4641D}" type="slidenum">
               <a:rPr lang="fr-CA" smtClean="0"/>
-              <a:t>‹N°›</a:t>
+              <a:t>‹#›</a:t>
             </a:fld>
             <a:endParaRPr lang="fr-CA"/>
           </a:p>
@@ -5700,6 +6252,7 @@
     <p:sldLayoutId id="2147483676" r:id="rId16"/>
     <p:sldLayoutId id="2147483677" r:id="rId17"/>
   </p:sldLayoutIdLst>
+  <p:hf sldNum="0" hdr="0" ftr="0" dt="0"/>
   <p:txStyles>
     <p:titleStyle>
       <a:lvl1pPr algn="l" defTabSz="457200" rtl="0" eaLnBrk="1" latinLnBrk="0" hangingPunct="1">
@@ -10258,7 +10811,7 @@
         </p:spPr>
         <p:txBody>
           <a:bodyPr>
-            <a:normAutofit lnSpcReduction="10000"/>
+            <a:normAutofit fontScale="92500" lnSpcReduction="20000"/>
           </a:bodyPr>
           <a:lstStyle/>
           <a:p>
@@ -10432,6 +10985,26 @@
               </a:rPr>
               <a:t>     background: #ccc;</a:t>
             </a:r>
+          </a:p>
+          <a:p>
+            <a:pPr marL="0" indent="0">
+              <a:buNone/>
+            </a:pPr>
+            <a:r>
+              <a:rPr lang="en-US" sz="3200" dirty="0">
+                <a:latin typeface="Calibri" panose="020F0502020204030204" pitchFamily="34" charset="0"/>
+              </a:rPr>
+              <a:t>	object-fit: cover/contain/fill</a:t>
+            </a:r>
+            <a:r>
+              <a:rPr lang="en-US" sz="3200">
+                <a:latin typeface="Calibri" panose="020F0502020204030204" pitchFamily="34" charset="0"/>
+              </a:rPr>
+              <a:t>/etc.</a:t>
+            </a:r>
+            <a:endParaRPr lang="en-US" sz="3200" dirty="0">
+              <a:latin typeface="Calibri" panose="020F0502020204030204" pitchFamily="34" charset="0"/>
+            </a:endParaRPr>
           </a:p>
           <a:p>
             <a:pPr marL="0" indent="0">
@@ -13960,4 +14533,594 @@
     </a:ext>
   </a:extLst>
 </a:theme>
+</file>
+
+<file path=ppt/theme/theme2.xml><?xml version="1.0" encoding="utf-8"?>
+<a:theme xmlns:a="http://schemas.openxmlformats.org/drawingml/2006/main" name="Office Theme">
+  <a:themeElements>
+    <a:clrScheme name="Office">
+      <a:dk1>
+        <a:sysClr val="windowText" lastClr="000000"/>
+      </a:dk1>
+      <a:lt1>
+        <a:sysClr val="window" lastClr="FFFFFF"/>
+      </a:lt1>
+      <a:dk2>
+        <a:srgbClr val="44546A"/>
+      </a:dk2>
+      <a:lt2>
+        <a:srgbClr val="E7E6E6"/>
+      </a:lt2>
+      <a:accent1>
+        <a:srgbClr val="4472C4"/>
+      </a:accent1>
+      <a:accent2>
+        <a:srgbClr val="ED7D31"/>
+      </a:accent2>
+      <a:accent3>
+        <a:srgbClr val="A5A5A5"/>
+      </a:accent3>
+      <a:accent4>
+        <a:srgbClr val="FFC000"/>
+      </a:accent4>
+      <a:accent5>
+        <a:srgbClr val="5B9BD5"/>
+      </a:accent5>
+      <a:accent6>
+        <a:srgbClr val="70AD47"/>
+      </a:accent6>
+      <a:hlink>
+        <a:srgbClr val="0563C1"/>
+      </a:hlink>
+      <a:folHlink>
+        <a:srgbClr val="954F72"/>
+      </a:folHlink>
+    </a:clrScheme>
+    <a:fontScheme name="Office">
+      <a:majorFont>
+        <a:latin typeface="Calibri Light" panose="020F0302020204030204"/>
+        <a:ea typeface=""/>
+        <a:cs typeface=""/>
+        <a:font script="Jpan" typeface="游ゴシック Light"/>
+        <a:font script="Hang" typeface="맑은 고딕"/>
+        <a:font script="Hans" typeface="等线 Light"/>
+        <a:font script="Hant" typeface="新細明體"/>
+        <a:font script="Arab" typeface="Times New Roman"/>
+        <a:font script="Hebr" typeface="Times New Roman"/>
+        <a:font script="Thai" typeface="Angsana New"/>
+        <a:font script="Ethi" typeface="Nyala"/>
+        <a:font script="Beng" typeface="Vrinda"/>
+        <a:font script="Gujr" typeface="Shruti"/>
+        <a:font script="Khmr" typeface="MoolBoran"/>
+        <a:font script="Knda" typeface="Tunga"/>
+        <a:font script="Guru" typeface="Raavi"/>
+        <a:font script="Cans" typeface="Euphemia"/>
+        <a:font script="Cher" typeface="Plantagenet Cherokee"/>
+        <a:font script="Yiii" typeface="Microsoft Yi Baiti"/>
+        <a:font script="Tibt" typeface="Microsoft Himalaya"/>
+        <a:font script="Thaa" typeface="MV Boli"/>
+        <a:font script="Deva" typeface="Mangal"/>
+        <a:font script="Telu" typeface="Gautami"/>
+        <a:font script="Taml" typeface="Latha"/>
+        <a:font script="Syrc" typeface="Estrangelo Edessa"/>
+        <a:font script="Orya" typeface="Kalinga"/>
+        <a:font script="Mlym" typeface="Kartika"/>
+        <a:font script="Laoo" typeface="DokChampa"/>
+        <a:font script="Sinh" typeface="Iskoola Pota"/>
+        <a:font script="Mong" typeface="Mongolian Baiti"/>
+        <a:font script="Viet" typeface="Times New Roman"/>
+        <a:font script="Uigh" typeface="Microsoft Uighur"/>
+        <a:font script="Geor" typeface="Sylfaen"/>
+        <a:font script="Armn" typeface="Arial"/>
+        <a:font script="Bugi" typeface="Leelawadee UI"/>
+        <a:font script="Bopo" typeface="Microsoft JhengHei"/>
+        <a:font script="Java" typeface="Javanese Text"/>
+        <a:font script="Lisu" typeface="Segoe UI"/>
+        <a:font script="Mymr" typeface="Myanmar Text"/>
+        <a:font script="Nkoo" typeface="Ebrima"/>
+        <a:font script="Olck" typeface="Nirmala UI"/>
+        <a:font script="Osma" typeface="Ebrima"/>
+        <a:font script="Phag" typeface="Phagspa"/>
+        <a:font script="Syrn" typeface="Estrangelo Edessa"/>
+        <a:font script="Syrj" typeface="Estrangelo Edessa"/>
+        <a:font script="Syre" typeface="Estrangelo Edessa"/>
+        <a:font script="Sora" typeface="Nirmala UI"/>
+        <a:font script="Tale" typeface="Microsoft Tai Le"/>
+        <a:font script="Talu" typeface="Microsoft New Tai Lue"/>
+        <a:font script="Tfng" typeface="Ebrima"/>
+      </a:majorFont>
+      <a:minorFont>
+        <a:latin typeface="Calibri" panose="020F0502020204030204"/>
+        <a:ea typeface=""/>
+        <a:cs typeface=""/>
+        <a:font script="Jpan" typeface="游ゴシック"/>
+        <a:font script="Hang" typeface="맑은 고딕"/>
+        <a:font script="Hans" typeface="等线"/>
+        <a:font script="Hant" typeface="新細明體"/>
+        <a:font script="Arab" typeface="Arial"/>
+        <a:font script="Hebr" typeface="Arial"/>
+        <a:font script="Thai" typeface="Cordia New"/>
+        <a:font script="Ethi" typeface="Nyala"/>
+        <a:font script="Beng" typeface="Vrinda"/>
+        <a:font script="Gujr" typeface="Shruti"/>
+        <a:font script="Khmr" typeface="DaunPenh"/>
+        <a:font script="Knda" typeface="Tunga"/>
+        <a:font script="Guru" typeface="Raavi"/>
+        <a:font script="Cans" typeface="Euphemia"/>
+        <a:font script="Cher" typeface="Plantagenet Cherokee"/>
+        <a:font script="Yiii" typeface="Microsoft Yi Baiti"/>
+        <a:font script="Tibt" typeface="Microsoft Himalaya"/>
+        <a:font script="Thaa" typeface="MV Boli"/>
+        <a:font script="Deva" typeface="Mangal"/>
+        <a:font script="Telu" typeface="Gautami"/>
+        <a:font script="Taml" typeface="Latha"/>
+        <a:font script="Syrc" typeface="Estrangelo Edessa"/>
+        <a:font script="Orya" typeface="Kalinga"/>
+        <a:font script="Mlym" typeface="Kartika"/>
+        <a:font script="Laoo" typeface="DokChampa"/>
+        <a:font script="Sinh" typeface="Iskoola Pota"/>
+        <a:font script="Mong" typeface="Mongolian Baiti"/>
+        <a:font script="Viet" typeface="Arial"/>
+        <a:font script="Uigh" typeface="Microsoft Uighur"/>
+        <a:font script="Geor" typeface="Sylfaen"/>
+        <a:font script="Armn" typeface="Arial"/>
+        <a:font script="Bugi" typeface="Leelawadee UI"/>
+        <a:font script="Bopo" typeface="Microsoft JhengHei"/>
+        <a:font script="Java" typeface="Javanese Text"/>
+        <a:font script="Lisu" typeface="Segoe UI"/>
+        <a:font script="Mymr" typeface="Myanmar Text"/>
+        <a:font script="Nkoo" typeface="Ebrima"/>
+        <a:font script="Olck" typeface="Nirmala UI"/>
+        <a:font script="Osma" typeface="Ebrima"/>
+        <a:font script="Phag" typeface="Phagspa"/>
+        <a:font script="Syrn" typeface="Estrangelo Edessa"/>
+        <a:font script="Syrj" typeface="Estrangelo Edessa"/>
+        <a:font script="Syre" typeface="Estrangelo Edessa"/>
+        <a:font script="Sora" typeface="Nirmala UI"/>
+        <a:font script="Tale" typeface="Microsoft Tai Le"/>
+        <a:font script="Talu" typeface="Microsoft New Tai Lue"/>
+        <a:font script="Tfng" typeface="Ebrima"/>
+      </a:minorFont>
+    </a:fontScheme>
+    <a:fmtScheme name="Office">
+      <a:fillStyleLst>
+        <a:solidFill>
+          <a:schemeClr val="phClr"/>
+        </a:solidFill>
+        <a:gradFill rotWithShape="1">
+          <a:gsLst>
+            <a:gs pos="0">
+              <a:schemeClr val="phClr">
+                <a:lumMod val="110000"/>
+                <a:satMod val="105000"/>
+                <a:tint val="67000"/>
+              </a:schemeClr>
+            </a:gs>
+            <a:gs pos="50000">
+              <a:schemeClr val="phClr">
+                <a:lumMod val="105000"/>
+                <a:satMod val="103000"/>
+                <a:tint val="73000"/>
+              </a:schemeClr>
+            </a:gs>
+            <a:gs pos="100000">
+              <a:schemeClr val="phClr">
+                <a:lumMod val="105000"/>
+                <a:satMod val="109000"/>
+                <a:tint val="81000"/>
+              </a:schemeClr>
+            </a:gs>
+          </a:gsLst>
+          <a:lin ang="5400000" scaled="0"/>
+        </a:gradFill>
+        <a:gradFill rotWithShape="1">
+          <a:gsLst>
+            <a:gs pos="0">
+              <a:schemeClr val="phClr">
+                <a:satMod val="103000"/>
+                <a:lumMod val="102000"/>
+                <a:tint val="94000"/>
+              </a:schemeClr>
+            </a:gs>
+            <a:gs pos="50000">
+              <a:schemeClr val="phClr">
+                <a:satMod val="110000"/>
+                <a:lumMod val="100000"/>
+                <a:shade val="100000"/>
+              </a:schemeClr>
+            </a:gs>
+            <a:gs pos="100000">
+              <a:schemeClr val="phClr">
+                <a:lumMod val="99000"/>
+                <a:satMod val="120000"/>
+                <a:shade val="78000"/>
+              </a:schemeClr>
+            </a:gs>
+          </a:gsLst>
+          <a:lin ang="5400000" scaled="0"/>
+        </a:gradFill>
+      </a:fillStyleLst>
+      <a:lnStyleLst>
+        <a:ln w="6350" cap="flat" cmpd="sng" algn="ctr">
+          <a:solidFill>
+            <a:schemeClr val="phClr"/>
+          </a:solidFill>
+          <a:prstDash val="solid"/>
+          <a:miter lim="800000"/>
+        </a:ln>
+        <a:ln w="12700" cap="flat" cmpd="sng" algn="ctr">
+          <a:solidFill>
+            <a:schemeClr val="phClr"/>
+          </a:solidFill>
+          <a:prstDash val="solid"/>
+          <a:miter lim="800000"/>
+        </a:ln>
+        <a:ln w="19050" cap="flat" cmpd="sng" algn="ctr">
+          <a:solidFill>
+            <a:schemeClr val="phClr"/>
+          </a:solidFill>
+          <a:prstDash val="solid"/>
+          <a:miter lim="800000"/>
+        </a:ln>
+      </a:lnStyleLst>
+      <a:effectStyleLst>
+        <a:effectStyle>
+          <a:effectLst/>
+        </a:effectStyle>
+        <a:effectStyle>
+          <a:effectLst/>
+        </a:effectStyle>
+        <a:effectStyle>
+          <a:effectLst>
+            <a:outerShdw blurRad="57150" dist="19050" dir="5400000" algn="ctr" rotWithShape="0">
+              <a:srgbClr val="000000">
+                <a:alpha val="63000"/>
+              </a:srgbClr>
+            </a:outerShdw>
+          </a:effectLst>
+        </a:effectStyle>
+      </a:effectStyleLst>
+      <a:bgFillStyleLst>
+        <a:solidFill>
+          <a:schemeClr val="phClr"/>
+        </a:solidFill>
+        <a:solidFill>
+          <a:schemeClr val="phClr">
+            <a:tint val="95000"/>
+            <a:satMod val="170000"/>
+          </a:schemeClr>
+        </a:solidFill>
+        <a:gradFill rotWithShape="1">
+          <a:gsLst>
+            <a:gs pos="0">
+              <a:schemeClr val="phClr">
+                <a:tint val="93000"/>
+                <a:satMod val="150000"/>
+                <a:shade val="98000"/>
+                <a:lumMod val="102000"/>
+              </a:schemeClr>
+            </a:gs>
+            <a:gs pos="50000">
+              <a:schemeClr val="phClr">
+                <a:tint val="98000"/>
+                <a:satMod val="130000"/>
+                <a:shade val="90000"/>
+                <a:lumMod val="103000"/>
+              </a:schemeClr>
+            </a:gs>
+            <a:gs pos="100000">
+              <a:schemeClr val="phClr">
+                <a:shade val="63000"/>
+                <a:satMod val="120000"/>
+              </a:schemeClr>
+            </a:gs>
+          </a:gsLst>
+          <a:lin ang="5400000" scaled="0"/>
+        </a:gradFill>
+      </a:bgFillStyleLst>
+    </a:fmtScheme>
+  </a:themeElements>
+  <a:objectDefaults/>
+  <a:extraClrSchemeLst/>
+  <a:extLst>
+    <a:ext uri="{05A4C25C-085E-4340-85A3-A5531E510DB2}">
+      <thm15:themeFamily xmlns:thm15="http://schemas.microsoft.com/office/thememl/2012/main" name="Office Theme" id="{62F939B6-93AF-4DB8-9C6B-D6C7DFDC589F}" vid="{4A3C46E8-61CC-4603-A589-7422A47A8E4A}"/>
+    </a:ext>
+  </a:extLst>
+</a:theme>
+</file>
+
+<file path=ppt/theme/theme3.xml><?xml version="1.0" encoding="utf-8"?>
+<a:theme xmlns:a="http://schemas.openxmlformats.org/drawingml/2006/main" name="Office Theme">
+  <a:themeElements>
+    <a:clrScheme name="Office">
+      <a:dk1>
+        <a:sysClr val="windowText" lastClr="000000"/>
+      </a:dk1>
+      <a:lt1>
+        <a:sysClr val="window" lastClr="FFFFFF"/>
+      </a:lt1>
+      <a:dk2>
+        <a:srgbClr val="44546A"/>
+      </a:dk2>
+      <a:lt2>
+        <a:srgbClr val="E7E6E6"/>
+      </a:lt2>
+      <a:accent1>
+        <a:srgbClr val="4472C4"/>
+      </a:accent1>
+      <a:accent2>
+        <a:srgbClr val="ED7D31"/>
+      </a:accent2>
+      <a:accent3>
+        <a:srgbClr val="A5A5A5"/>
+      </a:accent3>
+      <a:accent4>
+        <a:srgbClr val="FFC000"/>
+      </a:accent4>
+      <a:accent5>
+        <a:srgbClr val="5B9BD5"/>
+      </a:accent5>
+      <a:accent6>
+        <a:srgbClr val="70AD47"/>
+      </a:accent6>
+      <a:hlink>
+        <a:srgbClr val="0563C1"/>
+      </a:hlink>
+      <a:folHlink>
+        <a:srgbClr val="954F72"/>
+      </a:folHlink>
+    </a:clrScheme>
+    <a:fontScheme name="Office">
+      <a:majorFont>
+        <a:latin typeface="Calibri Light" panose="020F0302020204030204"/>
+        <a:ea typeface=""/>
+        <a:cs typeface=""/>
+        <a:font script="Jpan" typeface="游ゴシック Light"/>
+        <a:font script="Hang" typeface="맑은 고딕"/>
+        <a:font script="Hans" typeface="等线 Light"/>
+        <a:font script="Hant" typeface="新細明體"/>
+        <a:font script="Arab" typeface="Times New Roman"/>
+        <a:font script="Hebr" typeface="Times New Roman"/>
+        <a:font script="Thai" typeface="Angsana New"/>
+        <a:font script="Ethi" typeface="Nyala"/>
+        <a:font script="Beng" typeface="Vrinda"/>
+        <a:font script="Gujr" typeface="Shruti"/>
+        <a:font script="Khmr" typeface="MoolBoran"/>
+        <a:font script="Knda" typeface="Tunga"/>
+        <a:font script="Guru" typeface="Raavi"/>
+        <a:font script="Cans" typeface="Euphemia"/>
+        <a:font script="Cher" typeface="Plantagenet Cherokee"/>
+        <a:font script="Yiii" typeface="Microsoft Yi Baiti"/>
+        <a:font script="Tibt" typeface="Microsoft Himalaya"/>
+        <a:font script="Thaa" typeface="MV Boli"/>
+        <a:font script="Deva" typeface="Mangal"/>
+        <a:font script="Telu" typeface="Gautami"/>
+        <a:font script="Taml" typeface="Latha"/>
+        <a:font script="Syrc" typeface="Estrangelo Edessa"/>
+        <a:font script="Orya" typeface="Kalinga"/>
+        <a:font script="Mlym" typeface="Kartika"/>
+        <a:font script="Laoo" typeface="DokChampa"/>
+        <a:font script="Sinh" typeface="Iskoola Pota"/>
+        <a:font script="Mong" typeface="Mongolian Baiti"/>
+        <a:font script="Viet" typeface="Times New Roman"/>
+        <a:font script="Uigh" typeface="Microsoft Uighur"/>
+        <a:font script="Geor" typeface="Sylfaen"/>
+        <a:font script="Armn" typeface="Arial"/>
+        <a:font script="Bugi" typeface="Leelawadee UI"/>
+        <a:font script="Bopo" typeface="Microsoft JhengHei"/>
+        <a:font script="Java" typeface="Javanese Text"/>
+        <a:font script="Lisu" typeface="Segoe UI"/>
+        <a:font script="Mymr" typeface="Myanmar Text"/>
+        <a:font script="Nkoo" typeface="Ebrima"/>
+        <a:font script="Olck" typeface="Nirmala UI"/>
+        <a:font script="Osma" typeface="Ebrima"/>
+        <a:font script="Phag" typeface="Phagspa"/>
+        <a:font script="Syrn" typeface="Estrangelo Edessa"/>
+        <a:font script="Syrj" typeface="Estrangelo Edessa"/>
+        <a:font script="Syre" typeface="Estrangelo Edessa"/>
+        <a:font script="Sora" typeface="Nirmala UI"/>
+        <a:font script="Tale" typeface="Microsoft Tai Le"/>
+        <a:font script="Talu" typeface="Microsoft New Tai Lue"/>
+        <a:font script="Tfng" typeface="Ebrima"/>
+      </a:majorFont>
+      <a:minorFont>
+        <a:latin typeface="Calibri" panose="020F0502020204030204"/>
+        <a:ea typeface=""/>
+        <a:cs typeface=""/>
+        <a:font script="Jpan" typeface="游ゴシック"/>
+        <a:font script="Hang" typeface="맑은 고딕"/>
+        <a:font script="Hans" typeface="等线"/>
+        <a:font script="Hant" typeface="新細明體"/>
+        <a:font script="Arab" typeface="Arial"/>
+        <a:font script="Hebr" typeface="Arial"/>
+        <a:font script="Thai" typeface="Cordia New"/>
+        <a:font script="Ethi" typeface="Nyala"/>
+        <a:font script="Beng" typeface="Vrinda"/>
+        <a:font script="Gujr" typeface="Shruti"/>
+        <a:font script="Khmr" typeface="DaunPenh"/>
+        <a:font script="Knda" typeface="Tunga"/>
+        <a:font script="Guru" typeface="Raavi"/>
+        <a:font script="Cans" typeface="Euphemia"/>
+        <a:font script="Cher" typeface="Plantagenet Cherokee"/>
+        <a:font script="Yiii" typeface="Microsoft Yi Baiti"/>
+        <a:font script="Tibt" typeface="Microsoft Himalaya"/>
+        <a:font script="Thaa" typeface="MV Boli"/>
+        <a:font script="Deva" typeface="Mangal"/>
+        <a:font script="Telu" typeface="Gautami"/>
+        <a:font script="Taml" typeface="Latha"/>
+        <a:font script="Syrc" typeface="Estrangelo Edessa"/>
+        <a:font script="Orya" typeface="Kalinga"/>
+        <a:font script="Mlym" typeface="Kartika"/>
+        <a:font script="Laoo" typeface="DokChampa"/>
+        <a:font script="Sinh" typeface="Iskoola Pota"/>
+        <a:font script="Mong" typeface="Mongolian Baiti"/>
+        <a:font script="Viet" typeface="Arial"/>
+        <a:font script="Uigh" typeface="Microsoft Uighur"/>
+        <a:font script="Geor" typeface="Sylfaen"/>
+        <a:font script="Armn" typeface="Arial"/>
+        <a:font script="Bugi" typeface="Leelawadee UI"/>
+        <a:font script="Bopo" typeface="Microsoft JhengHei"/>
+        <a:font script="Java" typeface="Javanese Text"/>
+        <a:font script="Lisu" typeface="Segoe UI"/>
+        <a:font script="Mymr" typeface="Myanmar Text"/>
+        <a:font script="Nkoo" typeface="Ebrima"/>
+        <a:font script="Olck" typeface="Nirmala UI"/>
+        <a:font script="Osma" typeface="Ebrima"/>
+        <a:font script="Phag" typeface="Phagspa"/>
+        <a:font script="Syrn" typeface="Estrangelo Edessa"/>
+        <a:font script="Syrj" typeface="Estrangelo Edessa"/>
+        <a:font script="Syre" typeface="Estrangelo Edessa"/>
+        <a:font script="Sora" typeface="Nirmala UI"/>
+        <a:font script="Tale" typeface="Microsoft Tai Le"/>
+        <a:font script="Talu" typeface="Microsoft New Tai Lue"/>
+        <a:font script="Tfng" typeface="Ebrima"/>
+      </a:minorFont>
+    </a:fontScheme>
+    <a:fmtScheme name="Office">
+      <a:fillStyleLst>
+        <a:solidFill>
+          <a:schemeClr val="phClr"/>
+        </a:solidFill>
+        <a:gradFill rotWithShape="1">
+          <a:gsLst>
+            <a:gs pos="0">
+              <a:schemeClr val="phClr">
+                <a:lumMod val="110000"/>
+                <a:satMod val="105000"/>
+                <a:tint val="67000"/>
+              </a:schemeClr>
+            </a:gs>
+            <a:gs pos="50000">
+              <a:schemeClr val="phClr">
+                <a:lumMod val="105000"/>
+                <a:satMod val="103000"/>
+                <a:tint val="73000"/>
+              </a:schemeClr>
+            </a:gs>
+            <a:gs pos="100000">
+              <a:schemeClr val="phClr">
+                <a:lumMod val="105000"/>
+                <a:satMod val="109000"/>
+                <a:tint val="81000"/>
+              </a:schemeClr>
+            </a:gs>
+          </a:gsLst>
+          <a:lin ang="5400000" scaled="0"/>
+        </a:gradFill>
+        <a:gradFill rotWithShape="1">
+          <a:gsLst>
+            <a:gs pos="0">
+              <a:schemeClr val="phClr">
+                <a:satMod val="103000"/>
+                <a:lumMod val="102000"/>
+                <a:tint val="94000"/>
+              </a:schemeClr>
+            </a:gs>
+            <a:gs pos="50000">
+              <a:schemeClr val="phClr">
+                <a:satMod val="110000"/>
+                <a:lumMod val="100000"/>
+                <a:shade val="100000"/>
+              </a:schemeClr>
+            </a:gs>
+            <a:gs pos="100000">
+              <a:schemeClr val="phClr">
+                <a:lumMod val="99000"/>
+                <a:satMod val="120000"/>
+                <a:shade val="78000"/>
+              </a:schemeClr>
+            </a:gs>
+          </a:gsLst>
+          <a:lin ang="5400000" scaled="0"/>
+        </a:gradFill>
+      </a:fillStyleLst>
+      <a:lnStyleLst>
+        <a:ln w="6350" cap="flat" cmpd="sng" algn="ctr">
+          <a:solidFill>
+            <a:schemeClr val="phClr"/>
+          </a:solidFill>
+          <a:prstDash val="solid"/>
+          <a:miter lim="800000"/>
+        </a:ln>
+        <a:ln w="12700" cap="flat" cmpd="sng" algn="ctr">
+          <a:solidFill>
+            <a:schemeClr val="phClr"/>
+          </a:solidFill>
+          <a:prstDash val="solid"/>
+          <a:miter lim="800000"/>
+        </a:ln>
+        <a:ln w="19050" cap="flat" cmpd="sng" algn="ctr">
+          <a:solidFill>
+            <a:schemeClr val="phClr"/>
+          </a:solidFill>
+          <a:prstDash val="solid"/>
+          <a:miter lim="800000"/>
+        </a:ln>
+      </a:lnStyleLst>
+      <a:effectStyleLst>
+        <a:effectStyle>
+          <a:effectLst/>
+        </a:effectStyle>
+        <a:effectStyle>
+          <a:effectLst/>
+        </a:effectStyle>
+        <a:effectStyle>
+          <a:effectLst>
+            <a:outerShdw blurRad="57150" dist="19050" dir="5400000" algn="ctr" rotWithShape="0">
+              <a:srgbClr val="000000">
+                <a:alpha val="63000"/>
+              </a:srgbClr>
+            </a:outerShdw>
+          </a:effectLst>
+        </a:effectStyle>
+      </a:effectStyleLst>
+      <a:bgFillStyleLst>
+        <a:solidFill>
+          <a:schemeClr val="phClr"/>
+        </a:solidFill>
+        <a:solidFill>
+          <a:schemeClr val="phClr">
+            <a:tint val="95000"/>
+            <a:satMod val="170000"/>
+          </a:schemeClr>
+        </a:solidFill>
+        <a:gradFill rotWithShape="1">
+          <a:gsLst>
+            <a:gs pos="0">
+              <a:schemeClr val="phClr">
+                <a:tint val="93000"/>
+                <a:satMod val="150000"/>
+                <a:shade val="98000"/>
+                <a:lumMod val="102000"/>
+              </a:schemeClr>
+            </a:gs>
+            <a:gs pos="50000">
+              <a:schemeClr val="phClr">
+                <a:tint val="98000"/>
+                <a:satMod val="130000"/>
+                <a:shade val="90000"/>
+                <a:lumMod val="103000"/>
+              </a:schemeClr>
+            </a:gs>
+            <a:gs pos="100000">
+              <a:schemeClr val="phClr">
+                <a:shade val="63000"/>
+                <a:satMod val="120000"/>
+              </a:schemeClr>
+            </a:gs>
+          </a:gsLst>
+          <a:lin ang="5400000" scaled="0"/>
+        </a:gradFill>
+      </a:bgFillStyleLst>
+    </a:fmtScheme>
+  </a:themeElements>
+  <a:objectDefaults/>
+  <a:extraClrSchemeLst/>
+  <a:extLst>
+    <a:ext uri="{05A4C25C-085E-4340-85A3-A5531E510DB2}">
+      <thm15:themeFamily xmlns:thm15="http://schemas.microsoft.com/office/thememl/2012/main" name="Office Theme" id="{62F939B6-93AF-4DB8-9C6B-D6C7DFDC589F}" vid="{4A3C46E8-61CC-4603-A589-7422A47A8E4A}"/>
+    </a:ext>
+  </a:extLst>
+</a:theme>
 </file>